--- a/3주차/3주차.pptx
+++ b/3주차/3주차.pptx
@@ -5,10 +5,17 @@
     <p:sldMasterId id="2147483648" r:id="rId1"/>
   </p:sldMasterIdLst>
   <p:notesMasterIdLst>
-    <p:notesMasterId r:id="rId3"/>
+    <p:notesMasterId r:id="rId10"/>
   </p:notesMasterIdLst>
   <p:sldIdLst>
     <p:sldId id="257" r:id="rId2"/>
+    <p:sldId id="258" r:id="rId3"/>
+    <p:sldId id="259" r:id="rId4"/>
+    <p:sldId id="261" r:id="rId5"/>
+    <p:sldId id="263" r:id="rId6"/>
+    <p:sldId id="264" r:id="rId7"/>
+    <p:sldId id="262" r:id="rId8"/>
+    <p:sldId id="260" r:id="rId9"/>
   </p:sldIdLst>
   <p:sldSz cx="12192000" cy="6858000"/>
   <p:notesSz cx="6858000" cy="9144000"/>
@@ -107,6 +114,11 @@
       </a:defRPr>
     </a:lvl9pPr>
   </p:defaultTextStyle>
+  <p:extLst>
+    <p:ext uri="{EFAFB233-063F-42B5-8137-9DF3F51BA10A}">
+      <p15:sldGuideLst xmlns:p15="http://schemas.microsoft.com/office/powerpoint/2012/main"/>
+    </p:ext>
+  </p:extLst>
 </p:presentation>
 </file>
 
@@ -192,7 +204,7 @@
           <a:p>
             <a:fld id="{151EB770-85AF-40EB-B4DC-A4E9A7A6BC08}" type="datetimeFigureOut">
               <a:rPr lang="ko-KR" altLang="en-US" smtClean="0"/>
-              <a:t>2025-05-26</a:t>
+              <a:t>2025-05-27</a:t>
             </a:fld>
             <a:endParaRPr lang="ko-KR" altLang="en-US"/>
           </a:p>
@@ -543,6 +555,258 @@
 </p:notes>
 </file>
 
+<file path=ppt/notesSlides/notesSlide2.xml><?xml version="1.0" encoding="utf-8"?>
+<p:notes xmlns:a="http://schemas.openxmlformats.org/drawingml/2006/main" xmlns:r="http://schemas.openxmlformats.org/officeDocument/2006/relationships" xmlns:p="http://schemas.openxmlformats.org/presentationml/2006/main">
+  <p:cSld>
+    <p:spTree>
+      <p:nvGrpSpPr>
+        <p:cNvPr id="1" name=""/>
+        <p:cNvGrpSpPr/>
+        <p:nvPr/>
+      </p:nvGrpSpPr>
+      <p:grpSpPr>
+        <a:xfrm>
+          <a:off x="0" y="0"/>
+          <a:ext cx="0" cy="0"/>
+          <a:chOff x="0" y="0"/>
+          <a:chExt cx="0" cy="0"/>
+        </a:xfrm>
+      </p:grpSpPr>
+      <p:sp>
+        <p:nvSpPr>
+          <p:cNvPr id="2" name="슬라이드 이미지 개체 틀 1"/>
+          <p:cNvSpPr>
+            <a:spLocks noGrp="1" noRot="1" noChangeAspect="1"/>
+          </p:cNvSpPr>
+          <p:nvPr>
+            <p:ph type="sldImg"/>
+          </p:nvPr>
+        </p:nvSpPr>
+        <p:spPr/>
+      </p:sp>
+      <p:sp>
+        <p:nvSpPr>
+          <p:cNvPr id="3" name="슬라이드 노트 개체 틀 2"/>
+          <p:cNvSpPr>
+            <a:spLocks noGrp="1"/>
+          </p:cNvSpPr>
+          <p:nvPr>
+            <p:ph type="body" idx="1"/>
+          </p:nvPr>
+        </p:nvSpPr>
+        <p:spPr/>
+        <p:txBody>
+          <a:bodyPr/>
+          <a:lstStyle/>
+          <a:p>
+            <a:endParaRPr lang="ko-KR" altLang="en-US" dirty="0"/>
+          </a:p>
+        </p:txBody>
+      </p:sp>
+      <p:sp>
+        <p:nvSpPr>
+          <p:cNvPr id="4" name="슬라이드 번호 개체 틀 3"/>
+          <p:cNvSpPr>
+            <a:spLocks noGrp="1"/>
+          </p:cNvSpPr>
+          <p:nvPr>
+            <p:ph type="sldNum" sz="quarter" idx="5"/>
+          </p:nvPr>
+        </p:nvSpPr>
+        <p:spPr/>
+        <p:txBody>
+          <a:bodyPr/>
+          <a:lstStyle/>
+          <a:p>
+            <a:fld id="{22C07B2D-B0D5-4580-B2CC-B9419DE65A2A}" type="slidenum">
+              <a:rPr lang="ko-KR" altLang="en-US" smtClean="0"/>
+              <a:t>5</a:t>
+            </a:fld>
+            <a:endParaRPr lang="ko-KR" altLang="en-US"/>
+          </a:p>
+        </p:txBody>
+      </p:sp>
+    </p:spTree>
+    <p:extLst>
+      <p:ext uri="{BB962C8B-B14F-4D97-AF65-F5344CB8AC3E}">
+        <p14:creationId xmlns:p14="http://schemas.microsoft.com/office/powerpoint/2010/main" val="2569606305"/>
+      </p:ext>
+    </p:extLst>
+  </p:cSld>
+  <p:clrMapOvr>
+    <a:masterClrMapping/>
+  </p:clrMapOvr>
+</p:notes>
+</file>
+
+<file path=ppt/notesSlides/notesSlide3.xml><?xml version="1.0" encoding="utf-8"?>
+<p:notes xmlns:a="http://schemas.openxmlformats.org/drawingml/2006/main" xmlns:r="http://schemas.openxmlformats.org/officeDocument/2006/relationships" xmlns:p="http://schemas.openxmlformats.org/presentationml/2006/main">
+  <p:cSld>
+    <p:spTree>
+      <p:nvGrpSpPr>
+        <p:cNvPr id="1" name=""/>
+        <p:cNvGrpSpPr/>
+        <p:nvPr/>
+      </p:nvGrpSpPr>
+      <p:grpSpPr>
+        <a:xfrm>
+          <a:off x="0" y="0"/>
+          <a:ext cx="0" cy="0"/>
+          <a:chOff x="0" y="0"/>
+          <a:chExt cx="0" cy="0"/>
+        </a:xfrm>
+      </p:grpSpPr>
+      <p:sp>
+        <p:nvSpPr>
+          <p:cNvPr id="2" name="슬라이드 이미지 개체 틀 1"/>
+          <p:cNvSpPr>
+            <a:spLocks noGrp="1" noRot="1" noChangeAspect="1"/>
+          </p:cNvSpPr>
+          <p:nvPr>
+            <p:ph type="sldImg"/>
+          </p:nvPr>
+        </p:nvSpPr>
+        <p:spPr/>
+      </p:sp>
+      <p:sp>
+        <p:nvSpPr>
+          <p:cNvPr id="3" name="슬라이드 노트 개체 틀 2"/>
+          <p:cNvSpPr>
+            <a:spLocks noGrp="1"/>
+          </p:cNvSpPr>
+          <p:nvPr>
+            <p:ph type="body" idx="1"/>
+          </p:nvPr>
+        </p:nvSpPr>
+        <p:spPr/>
+        <p:txBody>
+          <a:bodyPr/>
+          <a:lstStyle/>
+          <a:p>
+            <a:endParaRPr lang="ko-KR" altLang="en-US" dirty="0"/>
+          </a:p>
+        </p:txBody>
+      </p:sp>
+      <p:sp>
+        <p:nvSpPr>
+          <p:cNvPr id="4" name="슬라이드 번호 개체 틀 3"/>
+          <p:cNvSpPr>
+            <a:spLocks noGrp="1"/>
+          </p:cNvSpPr>
+          <p:nvPr>
+            <p:ph type="sldNum" sz="quarter" idx="5"/>
+          </p:nvPr>
+        </p:nvSpPr>
+        <p:spPr/>
+        <p:txBody>
+          <a:bodyPr/>
+          <a:lstStyle/>
+          <a:p>
+            <a:fld id="{22C07B2D-B0D5-4580-B2CC-B9419DE65A2A}" type="slidenum">
+              <a:rPr lang="ko-KR" altLang="en-US" smtClean="0"/>
+              <a:t>6</a:t>
+            </a:fld>
+            <a:endParaRPr lang="ko-KR" altLang="en-US"/>
+          </a:p>
+        </p:txBody>
+      </p:sp>
+    </p:spTree>
+    <p:extLst>
+      <p:ext uri="{BB962C8B-B14F-4D97-AF65-F5344CB8AC3E}">
+        <p14:creationId xmlns:p14="http://schemas.microsoft.com/office/powerpoint/2010/main" val="3551381030"/>
+      </p:ext>
+    </p:extLst>
+  </p:cSld>
+  <p:clrMapOvr>
+    <a:masterClrMapping/>
+  </p:clrMapOvr>
+</p:notes>
+</file>
+
+<file path=ppt/notesSlides/notesSlide4.xml><?xml version="1.0" encoding="utf-8"?>
+<p:notes xmlns:a="http://schemas.openxmlformats.org/drawingml/2006/main" xmlns:r="http://schemas.openxmlformats.org/officeDocument/2006/relationships" xmlns:p="http://schemas.openxmlformats.org/presentationml/2006/main">
+  <p:cSld>
+    <p:spTree>
+      <p:nvGrpSpPr>
+        <p:cNvPr id="1" name=""/>
+        <p:cNvGrpSpPr/>
+        <p:nvPr/>
+      </p:nvGrpSpPr>
+      <p:grpSpPr>
+        <a:xfrm>
+          <a:off x="0" y="0"/>
+          <a:ext cx="0" cy="0"/>
+          <a:chOff x="0" y="0"/>
+          <a:chExt cx="0" cy="0"/>
+        </a:xfrm>
+      </p:grpSpPr>
+      <p:sp>
+        <p:nvSpPr>
+          <p:cNvPr id="2" name="슬라이드 이미지 개체 틀 1"/>
+          <p:cNvSpPr>
+            <a:spLocks noGrp="1" noRot="1" noChangeAspect="1"/>
+          </p:cNvSpPr>
+          <p:nvPr>
+            <p:ph type="sldImg"/>
+          </p:nvPr>
+        </p:nvSpPr>
+        <p:spPr/>
+      </p:sp>
+      <p:sp>
+        <p:nvSpPr>
+          <p:cNvPr id="3" name="슬라이드 노트 개체 틀 2"/>
+          <p:cNvSpPr>
+            <a:spLocks noGrp="1"/>
+          </p:cNvSpPr>
+          <p:nvPr>
+            <p:ph type="body" idx="1"/>
+          </p:nvPr>
+        </p:nvSpPr>
+        <p:spPr/>
+        <p:txBody>
+          <a:bodyPr/>
+          <a:lstStyle/>
+          <a:p>
+            <a:endParaRPr lang="ko-KR" altLang="en-US" dirty="0"/>
+          </a:p>
+        </p:txBody>
+      </p:sp>
+      <p:sp>
+        <p:nvSpPr>
+          <p:cNvPr id="4" name="슬라이드 번호 개체 틀 3"/>
+          <p:cNvSpPr>
+            <a:spLocks noGrp="1"/>
+          </p:cNvSpPr>
+          <p:nvPr>
+            <p:ph type="sldNum" sz="quarter" idx="5"/>
+          </p:nvPr>
+        </p:nvSpPr>
+        <p:spPr/>
+        <p:txBody>
+          <a:bodyPr/>
+          <a:lstStyle/>
+          <a:p>
+            <a:fld id="{22C07B2D-B0D5-4580-B2CC-B9419DE65A2A}" type="slidenum">
+              <a:rPr lang="ko-KR" altLang="en-US" smtClean="0"/>
+              <a:t>8</a:t>
+            </a:fld>
+            <a:endParaRPr lang="ko-KR" altLang="en-US"/>
+          </a:p>
+        </p:txBody>
+      </p:sp>
+    </p:spTree>
+    <p:extLst>
+      <p:ext uri="{BB962C8B-B14F-4D97-AF65-F5344CB8AC3E}">
+        <p14:creationId xmlns:p14="http://schemas.microsoft.com/office/powerpoint/2010/main" val="1241920163"/>
+      </p:ext>
+    </p:extLst>
+  </p:cSld>
+  <p:clrMapOvr>
+    <a:masterClrMapping/>
+  </p:clrMapOvr>
+</p:notes>
+</file>
+
 <file path=ppt/slideLayouts/slideLayout1.xml><?xml version="1.0" encoding="utf-8"?>
 <p:sldLayout xmlns:a="http://schemas.openxmlformats.org/drawingml/2006/main" xmlns:r="http://schemas.openxmlformats.org/officeDocument/2006/relationships" xmlns:p="http://schemas.openxmlformats.org/presentationml/2006/main" type="title" preserve="1">
   <p:cSld name="제목 슬라이드">
@@ -690,7 +954,7 @@
           <a:p>
             <a:fld id="{6A9B595A-F4E9-46AD-98D3-18BFEB9B6E7B}" type="datetimeFigureOut">
               <a:rPr lang="ko-KR" altLang="en-US" smtClean="0"/>
-              <a:t>2025-05-26</a:t>
+              <a:t>2025-05-27</a:t>
             </a:fld>
             <a:endParaRPr lang="ko-KR" altLang="en-US"/>
           </a:p>
@@ -888,7 +1152,7 @@
           <a:p>
             <a:fld id="{6A9B595A-F4E9-46AD-98D3-18BFEB9B6E7B}" type="datetimeFigureOut">
               <a:rPr lang="ko-KR" altLang="en-US" smtClean="0"/>
-              <a:t>2025-05-26</a:t>
+              <a:t>2025-05-27</a:t>
             </a:fld>
             <a:endParaRPr lang="ko-KR" altLang="en-US"/>
           </a:p>
@@ -1096,7 +1360,7 @@
           <a:p>
             <a:fld id="{6A9B595A-F4E9-46AD-98D3-18BFEB9B6E7B}" type="datetimeFigureOut">
               <a:rPr lang="ko-KR" altLang="en-US" smtClean="0"/>
-              <a:t>2025-05-26</a:t>
+              <a:t>2025-05-27</a:t>
             </a:fld>
             <a:endParaRPr lang="ko-KR" altLang="en-US"/>
           </a:p>
@@ -1294,7 +1558,7 @@
           <a:p>
             <a:fld id="{6A9B595A-F4E9-46AD-98D3-18BFEB9B6E7B}" type="datetimeFigureOut">
               <a:rPr lang="ko-KR" altLang="en-US" smtClean="0"/>
-              <a:t>2025-05-26</a:t>
+              <a:t>2025-05-27</a:t>
             </a:fld>
             <a:endParaRPr lang="ko-KR" altLang="en-US"/>
           </a:p>
@@ -1569,7 +1833,7 @@
           <a:p>
             <a:fld id="{6A9B595A-F4E9-46AD-98D3-18BFEB9B6E7B}" type="datetimeFigureOut">
               <a:rPr lang="ko-KR" altLang="en-US" smtClean="0"/>
-              <a:t>2025-05-26</a:t>
+              <a:t>2025-05-27</a:t>
             </a:fld>
             <a:endParaRPr lang="ko-KR" altLang="en-US"/>
           </a:p>
@@ -1834,7 +2098,7 @@
           <a:p>
             <a:fld id="{6A9B595A-F4E9-46AD-98D3-18BFEB9B6E7B}" type="datetimeFigureOut">
               <a:rPr lang="ko-KR" altLang="en-US" smtClean="0"/>
-              <a:t>2025-05-26</a:t>
+              <a:t>2025-05-27</a:t>
             </a:fld>
             <a:endParaRPr lang="ko-KR" altLang="en-US"/>
           </a:p>
@@ -2246,7 +2510,7 @@
           <a:p>
             <a:fld id="{6A9B595A-F4E9-46AD-98D3-18BFEB9B6E7B}" type="datetimeFigureOut">
               <a:rPr lang="ko-KR" altLang="en-US" smtClean="0"/>
-              <a:t>2025-05-26</a:t>
+              <a:t>2025-05-27</a:t>
             </a:fld>
             <a:endParaRPr lang="ko-KR" altLang="en-US"/>
           </a:p>
@@ -2387,7 +2651,7 @@
           <a:p>
             <a:fld id="{6A9B595A-F4E9-46AD-98D3-18BFEB9B6E7B}" type="datetimeFigureOut">
               <a:rPr lang="ko-KR" altLang="en-US" smtClean="0"/>
-              <a:t>2025-05-26</a:t>
+              <a:t>2025-05-27</a:t>
             </a:fld>
             <a:endParaRPr lang="ko-KR" altLang="en-US"/>
           </a:p>
@@ -2500,7 +2764,7 @@
           <a:p>
             <a:fld id="{6A9B595A-F4E9-46AD-98D3-18BFEB9B6E7B}" type="datetimeFigureOut">
               <a:rPr lang="ko-KR" altLang="en-US" smtClean="0"/>
-              <a:t>2025-05-26</a:t>
+              <a:t>2025-05-27</a:t>
             </a:fld>
             <a:endParaRPr lang="ko-KR" altLang="en-US"/>
           </a:p>
@@ -2811,7 +3075,7 @@
           <a:p>
             <a:fld id="{6A9B595A-F4E9-46AD-98D3-18BFEB9B6E7B}" type="datetimeFigureOut">
               <a:rPr lang="ko-KR" altLang="en-US" smtClean="0"/>
-              <a:t>2025-05-26</a:t>
+              <a:t>2025-05-27</a:t>
             </a:fld>
             <a:endParaRPr lang="ko-KR" altLang="en-US"/>
           </a:p>
@@ -3099,7 +3363,7 @@
           <a:p>
             <a:fld id="{6A9B595A-F4E9-46AD-98D3-18BFEB9B6E7B}" type="datetimeFigureOut">
               <a:rPr lang="ko-KR" altLang="en-US" smtClean="0"/>
-              <a:t>2025-05-26</a:t>
+              <a:t>2025-05-27</a:t>
             </a:fld>
             <a:endParaRPr lang="ko-KR" altLang="en-US"/>
           </a:p>
@@ -3340,7 +3604,7 @@
           <a:p>
             <a:fld id="{6A9B595A-F4E9-46AD-98D3-18BFEB9B6E7B}" type="datetimeFigureOut">
               <a:rPr lang="ko-KR" altLang="en-US" smtClean="0"/>
-              <a:t>2025-05-26</a:t>
+              <a:t>2025-05-27</a:t>
             </a:fld>
             <a:endParaRPr lang="ko-KR" altLang="en-US"/>
           </a:p>
@@ -3842,6 +4106,1595 @@
     <p:extLst>
       <p:ext uri="{BB962C8B-B14F-4D97-AF65-F5344CB8AC3E}">
         <p14:creationId xmlns:p14="http://schemas.microsoft.com/office/powerpoint/2010/main" val="529694021"/>
+      </p:ext>
+    </p:extLst>
+  </p:cSld>
+  <p:clrMapOvr>
+    <a:masterClrMapping/>
+  </p:clrMapOvr>
+</p:sld>
+</file>
+
+<file path=ppt/slides/slide2.xml><?xml version="1.0" encoding="utf-8"?>
+<p:sld xmlns:a="http://schemas.openxmlformats.org/drawingml/2006/main" xmlns:r="http://schemas.openxmlformats.org/officeDocument/2006/relationships" xmlns:p="http://schemas.openxmlformats.org/presentationml/2006/main">
+  <p:cSld>
+    <p:spTree>
+      <p:nvGrpSpPr>
+        <p:cNvPr id="1" name=""/>
+        <p:cNvGrpSpPr/>
+        <p:nvPr/>
+      </p:nvGrpSpPr>
+      <p:grpSpPr>
+        <a:xfrm>
+          <a:off x="0" y="0"/>
+          <a:ext cx="0" cy="0"/>
+          <a:chOff x="0" y="0"/>
+          <a:chExt cx="0" cy="0"/>
+        </a:xfrm>
+      </p:grpSpPr>
+      <p:sp>
+        <p:nvSpPr>
+          <p:cNvPr id="2" name="제목 1">
+            <a:extLst>
+              <a:ext uri="{FF2B5EF4-FFF2-40B4-BE49-F238E27FC236}">
+                <a16:creationId xmlns:a16="http://schemas.microsoft.com/office/drawing/2014/main" id="{577F8009-5762-3C33-170E-60E2B4BD5DB5}"/>
+              </a:ext>
+            </a:extLst>
+          </p:cNvPr>
+          <p:cNvSpPr>
+            <a:spLocks noGrp="1"/>
+          </p:cNvSpPr>
+          <p:nvPr>
+            <p:ph type="title"/>
+          </p:nvPr>
+        </p:nvSpPr>
+        <p:spPr/>
+        <p:txBody>
+          <a:bodyPr/>
+          <a:lstStyle/>
+          <a:p>
+            <a:r>
+              <a:rPr lang="ko-KR" altLang="en-US" dirty="0"/>
+              <a:t>배운 것들</a:t>
+            </a:r>
+          </a:p>
+        </p:txBody>
+      </p:sp>
+      <p:sp>
+        <p:nvSpPr>
+          <p:cNvPr id="3" name="내용 개체 틀 2">
+            <a:extLst>
+              <a:ext uri="{FF2B5EF4-FFF2-40B4-BE49-F238E27FC236}">
+                <a16:creationId xmlns:a16="http://schemas.microsoft.com/office/drawing/2014/main" id="{B071FFF8-69CA-9097-9EAA-192C450870DD}"/>
+              </a:ext>
+            </a:extLst>
+          </p:cNvPr>
+          <p:cNvSpPr>
+            <a:spLocks noGrp="1"/>
+          </p:cNvSpPr>
+          <p:nvPr>
+            <p:ph idx="1"/>
+          </p:nvPr>
+        </p:nvSpPr>
+        <p:spPr/>
+        <p:txBody>
+          <a:bodyPr>
+            <a:normAutofit fontScale="85000" lnSpcReduction="20000"/>
+          </a:bodyPr>
+          <a:lstStyle/>
+          <a:p>
+            <a:pPr marL="0" indent="0">
+              <a:buNone/>
+            </a:pPr>
+            <a:r>
+              <a:rPr lang="ko-KR" altLang="en-US" dirty="0"/>
+              <a:t>데이터</a:t>
+            </a:r>
+            <a:r>
+              <a:rPr lang="en-US" altLang="ko-KR" dirty="0"/>
+              <a:t>(</a:t>
+            </a:r>
+            <a:r>
+              <a:rPr lang="ko-KR" altLang="en-US" dirty="0"/>
+              <a:t>변수</a:t>
+            </a:r>
+            <a:r>
+              <a:rPr lang="en-US" altLang="ko-KR" dirty="0"/>
+              <a:t>) </a:t>
+            </a:r>
+            <a:r>
+              <a:rPr lang="en-US" altLang="ko-KR" dirty="0">
+                <a:sym typeface="Wingdings" panose="05000000000000000000" pitchFamily="2" charset="2"/>
+              </a:rPr>
+              <a:t> </a:t>
+            </a:r>
+            <a:r>
+              <a:rPr lang="ko-KR" altLang="en-US" dirty="0">
+                <a:sym typeface="Wingdings" panose="05000000000000000000" pitchFamily="2" charset="2"/>
+              </a:rPr>
+              <a:t>문자형</a:t>
+            </a:r>
+            <a:r>
+              <a:rPr lang="en-US" altLang="ko-KR" dirty="0">
+                <a:sym typeface="Wingdings" panose="05000000000000000000" pitchFamily="2" charset="2"/>
+              </a:rPr>
+              <a:t>, </a:t>
+            </a:r>
+            <a:r>
+              <a:rPr lang="ko-KR" altLang="en-US" dirty="0">
+                <a:sym typeface="Wingdings" panose="05000000000000000000" pitchFamily="2" charset="2"/>
+              </a:rPr>
+              <a:t>숫자형</a:t>
+            </a:r>
+            <a:endParaRPr lang="en-US" altLang="ko-KR" dirty="0">
+              <a:sym typeface="Wingdings" panose="05000000000000000000" pitchFamily="2" charset="2"/>
+            </a:endParaRPr>
+          </a:p>
+          <a:p>
+            <a:pPr marL="0" indent="0">
+              <a:buNone/>
+            </a:pPr>
+            <a:endParaRPr lang="en-US" altLang="ko-KR" dirty="0">
+              <a:sym typeface="Wingdings" panose="05000000000000000000" pitchFamily="2" charset="2"/>
+            </a:endParaRPr>
+          </a:p>
+          <a:p>
+            <a:pPr marL="0" indent="0">
+              <a:buNone/>
+            </a:pPr>
+            <a:r>
+              <a:rPr lang="en-US" altLang="ko-KR" dirty="0">
+                <a:sym typeface="Wingdings" panose="05000000000000000000" pitchFamily="2" charset="2"/>
+              </a:rPr>
+              <a:t>=</a:t>
+            </a:r>
+            <a:r>
+              <a:rPr lang="ko-KR" altLang="en-US" dirty="0">
+                <a:sym typeface="Wingdings" panose="05000000000000000000" pitchFamily="2" charset="2"/>
+              </a:rPr>
+              <a:t> </a:t>
+            </a:r>
+            <a:r>
+              <a:rPr lang="en-US" altLang="ko-KR" dirty="0">
+                <a:sym typeface="Wingdings" panose="05000000000000000000" pitchFamily="2" charset="2"/>
+              </a:rPr>
+              <a:t>:</a:t>
+            </a:r>
+            <a:r>
+              <a:rPr lang="ko-KR" altLang="en-US" dirty="0">
+                <a:sym typeface="Wingdings" panose="05000000000000000000" pitchFamily="2" charset="2"/>
+              </a:rPr>
+              <a:t> 할당</a:t>
+            </a:r>
+            <a:endParaRPr lang="en-US" altLang="ko-KR" dirty="0">
+              <a:sym typeface="Wingdings" panose="05000000000000000000" pitchFamily="2" charset="2"/>
+            </a:endParaRPr>
+          </a:p>
+          <a:p>
+            <a:pPr marL="0" indent="0">
+              <a:buNone/>
+            </a:pPr>
+            <a:r>
+              <a:rPr lang="en-US" altLang="ko-KR" dirty="0">
+                <a:sym typeface="Wingdings" panose="05000000000000000000" pitchFamily="2" charset="2"/>
+              </a:rPr>
+              <a:t>+ - * / : </a:t>
+            </a:r>
+            <a:r>
+              <a:rPr lang="ko-KR" altLang="en-US" dirty="0">
+                <a:sym typeface="Wingdings" panose="05000000000000000000" pitchFamily="2" charset="2"/>
+              </a:rPr>
+              <a:t>사칙</a:t>
+            </a:r>
+            <a:endParaRPr lang="en-US" altLang="ko-KR" dirty="0">
+              <a:sym typeface="Wingdings" panose="05000000000000000000" pitchFamily="2" charset="2"/>
+            </a:endParaRPr>
+          </a:p>
+          <a:p>
+            <a:pPr marL="0" indent="0">
+              <a:buNone/>
+            </a:pPr>
+            <a:r>
+              <a:rPr lang="en-US" altLang="ko-KR" dirty="0">
+                <a:sym typeface="Wingdings" panose="05000000000000000000" pitchFamily="2" charset="2"/>
+              </a:rPr>
+              <a:t>% : </a:t>
+            </a:r>
+            <a:r>
+              <a:rPr lang="ko-KR" altLang="en-US" dirty="0">
+                <a:sym typeface="Wingdings" panose="05000000000000000000" pitchFamily="2" charset="2"/>
+              </a:rPr>
+              <a:t>나머지</a:t>
+            </a:r>
+            <a:endParaRPr lang="en-US" altLang="ko-KR" dirty="0">
+              <a:sym typeface="Wingdings" panose="05000000000000000000" pitchFamily="2" charset="2"/>
+            </a:endParaRPr>
+          </a:p>
+          <a:p>
+            <a:pPr marL="0" indent="0">
+              <a:buNone/>
+            </a:pPr>
+            <a:endParaRPr lang="en-US" altLang="ko-KR" dirty="0">
+              <a:sym typeface="Wingdings" panose="05000000000000000000" pitchFamily="2" charset="2"/>
+            </a:endParaRPr>
+          </a:p>
+          <a:p>
+            <a:pPr marL="0" indent="0">
+              <a:buNone/>
+            </a:pPr>
+            <a:r>
+              <a:rPr lang="en-US" altLang="ko-KR" dirty="0"/>
+              <a:t>print, input, int</a:t>
+            </a:r>
+          </a:p>
+          <a:p>
+            <a:pPr marL="0" indent="0">
+              <a:buNone/>
+            </a:pPr>
+            <a:endParaRPr lang="en-US" altLang="ko-KR" dirty="0"/>
+          </a:p>
+          <a:p>
+            <a:pPr marL="0" indent="0">
+              <a:buNone/>
+            </a:pPr>
+            <a:r>
+              <a:rPr lang="ko-KR" altLang="en-US" dirty="0"/>
+              <a:t>조건문 </a:t>
+            </a:r>
+            <a:r>
+              <a:rPr lang="en-US" altLang="ko-KR" dirty="0"/>
+              <a:t>(if)</a:t>
+            </a:r>
+          </a:p>
+          <a:p>
+            <a:pPr marL="0" indent="0">
+              <a:buNone/>
+            </a:pPr>
+            <a:endParaRPr lang="en-US" altLang="ko-KR" dirty="0"/>
+          </a:p>
+          <a:p>
+            <a:pPr marL="0" indent="0">
+              <a:buNone/>
+            </a:pPr>
+            <a:r>
+              <a:rPr lang="ko-KR" altLang="en-US" dirty="0" err="1"/>
+              <a:t>반복문</a:t>
+            </a:r>
+            <a:r>
+              <a:rPr lang="ko-KR" altLang="en-US" dirty="0"/>
+              <a:t> </a:t>
+            </a:r>
+            <a:r>
+              <a:rPr lang="en-US" altLang="ko-KR" dirty="0"/>
+              <a:t>(while)</a:t>
+            </a:r>
+            <a:endParaRPr lang="ko-KR" altLang="en-US" dirty="0"/>
+          </a:p>
+        </p:txBody>
+      </p:sp>
+    </p:spTree>
+    <p:extLst>
+      <p:ext uri="{BB962C8B-B14F-4D97-AF65-F5344CB8AC3E}">
+        <p14:creationId xmlns:p14="http://schemas.microsoft.com/office/powerpoint/2010/main" val="2956165734"/>
+      </p:ext>
+    </p:extLst>
+  </p:cSld>
+  <p:clrMapOvr>
+    <a:masterClrMapping/>
+  </p:clrMapOvr>
+</p:sld>
+</file>
+
+<file path=ppt/slides/slide3.xml><?xml version="1.0" encoding="utf-8"?>
+<p:sld xmlns:a="http://schemas.openxmlformats.org/drawingml/2006/main" xmlns:r="http://schemas.openxmlformats.org/officeDocument/2006/relationships" xmlns:p="http://schemas.openxmlformats.org/presentationml/2006/main">
+  <p:cSld>
+    <p:spTree>
+      <p:nvGrpSpPr>
+        <p:cNvPr id="1" name=""/>
+        <p:cNvGrpSpPr/>
+        <p:nvPr/>
+      </p:nvGrpSpPr>
+      <p:grpSpPr>
+        <a:xfrm>
+          <a:off x="0" y="0"/>
+          <a:ext cx="0" cy="0"/>
+          <a:chOff x="0" y="0"/>
+          <a:chExt cx="0" cy="0"/>
+        </a:xfrm>
+      </p:grpSpPr>
+      <p:sp>
+        <p:nvSpPr>
+          <p:cNvPr id="2" name="제목 1">
+            <a:extLst>
+              <a:ext uri="{FF2B5EF4-FFF2-40B4-BE49-F238E27FC236}">
+                <a16:creationId xmlns:a16="http://schemas.microsoft.com/office/drawing/2014/main" id="{5DA49736-6CBD-A7A3-3023-F0A64DBBD97A}"/>
+              </a:ext>
+            </a:extLst>
+          </p:cNvPr>
+          <p:cNvSpPr>
+            <a:spLocks noGrp="1"/>
+          </p:cNvSpPr>
+          <p:nvPr>
+            <p:ph type="title"/>
+          </p:nvPr>
+        </p:nvSpPr>
+        <p:spPr/>
+        <p:txBody>
+          <a:bodyPr/>
+          <a:lstStyle/>
+          <a:p>
+            <a:r>
+              <a:rPr lang="ko-KR" altLang="en-US" dirty="0"/>
+              <a:t>함수</a:t>
+            </a:r>
+          </a:p>
+        </p:txBody>
+      </p:sp>
+      <p:sp>
+        <p:nvSpPr>
+          <p:cNvPr id="3" name="내용 개체 틀 2">
+            <a:extLst>
+              <a:ext uri="{FF2B5EF4-FFF2-40B4-BE49-F238E27FC236}">
+                <a16:creationId xmlns:a16="http://schemas.microsoft.com/office/drawing/2014/main" id="{462FC5D7-2B56-AA84-31A7-451E6327DB20}"/>
+              </a:ext>
+            </a:extLst>
+          </p:cNvPr>
+          <p:cNvSpPr>
+            <a:spLocks noGrp="1"/>
+          </p:cNvSpPr>
+          <p:nvPr>
+            <p:ph idx="1"/>
+          </p:nvPr>
+        </p:nvSpPr>
+        <p:spPr>
+          <a:xfrm>
+            <a:off x="838200" y="1825624"/>
+            <a:ext cx="11099800" cy="4778375"/>
+          </a:xfrm>
+        </p:spPr>
+        <p:txBody>
+          <a:bodyPr>
+            <a:normAutofit fontScale="77500" lnSpcReduction="20000"/>
+          </a:bodyPr>
+          <a:lstStyle/>
+          <a:p>
+            <a:pPr marL="0" indent="0">
+              <a:buNone/>
+            </a:pPr>
+            <a:r>
+              <a:rPr lang="ko-KR" altLang="en-US" dirty="0"/>
+              <a:t>함수 </a:t>
+            </a:r>
+            <a:r>
+              <a:rPr lang="en-US" altLang="ko-KR" dirty="0"/>
+              <a:t>== ‘</a:t>
+            </a:r>
+            <a:r>
+              <a:rPr lang="ko-KR" altLang="en-US" dirty="0"/>
+              <a:t>블랙박스</a:t>
+            </a:r>
+            <a:r>
+              <a:rPr lang="en-US" altLang="ko-KR" dirty="0"/>
+              <a:t>’</a:t>
+            </a:r>
+          </a:p>
+          <a:p>
+            <a:pPr marL="0" indent="0">
+              <a:buNone/>
+            </a:pPr>
+            <a:endParaRPr lang="en-US" altLang="ko-KR" dirty="0"/>
+          </a:p>
+          <a:p>
+            <a:pPr marL="0" indent="0">
+              <a:buNone/>
+            </a:pPr>
+            <a:r>
+              <a:rPr lang="ko-KR" altLang="en-US" dirty="0"/>
+              <a:t>정의 </a:t>
+            </a:r>
+            <a:r>
+              <a:rPr lang="en-US" altLang="ko-KR" dirty="0"/>
+              <a:t>: </a:t>
+            </a:r>
+            <a:r>
+              <a:rPr lang="ko-KR" altLang="en-US" dirty="0"/>
+              <a:t>이 함수가 무엇을 할 것인지</a:t>
+            </a:r>
+            <a:endParaRPr lang="en-US" altLang="ko-KR" dirty="0"/>
+          </a:p>
+          <a:p>
+            <a:pPr marL="0" indent="0">
+              <a:buNone/>
+            </a:pPr>
+            <a:r>
+              <a:rPr lang="en-US" altLang="ko-KR" dirty="0"/>
+              <a:t>ex) </a:t>
+            </a:r>
+            <a:r>
+              <a:rPr lang="ko-KR" altLang="en-US" dirty="0"/>
+              <a:t>길 찾기 </a:t>
+            </a:r>
+            <a:r>
+              <a:rPr lang="en-US" altLang="ko-KR" dirty="0"/>
+              <a:t>: </a:t>
+            </a:r>
+            <a:r>
+              <a:rPr lang="ko-KR" altLang="en-US" dirty="0"/>
+              <a:t>출발지와 도착지를 넣으면 최단거리를 알려줌</a:t>
+            </a:r>
+            <a:endParaRPr lang="en-US" altLang="ko-KR" dirty="0"/>
+          </a:p>
+          <a:p>
+            <a:pPr marL="0" indent="0">
+              <a:buNone/>
+            </a:pPr>
+            <a:r>
+              <a:rPr lang="en-US" altLang="ko-KR" dirty="0"/>
+              <a:t>ex) </a:t>
+            </a:r>
+            <a:r>
+              <a:rPr lang="ko-KR" altLang="en-US" dirty="0"/>
+              <a:t>근의 공식</a:t>
+            </a:r>
+            <a:endParaRPr lang="en-US" altLang="ko-KR" dirty="0"/>
+          </a:p>
+          <a:p>
+            <a:pPr marL="0" indent="0">
+              <a:buNone/>
+            </a:pPr>
+            <a:endParaRPr lang="en-US" altLang="ko-KR" dirty="0"/>
+          </a:p>
+          <a:p>
+            <a:pPr marL="0" indent="0">
+              <a:buNone/>
+            </a:pPr>
+            <a:r>
+              <a:rPr lang="ko-KR" altLang="en-US" dirty="0"/>
+              <a:t>구현 </a:t>
+            </a:r>
+            <a:r>
+              <a:rPr lang="en-US" altLang="ko-KR" dirty="0"/>
+              <a:t>: </a:t>
+            </a:r>
+            <a:r>
+              <a:rPr lang="ko-KR" altLang="en-US" dirty="0"/>
+              <a:t>그 일을 실제로 어떻게 할 것인지 </a:t>
+            </a:r>
+            <a:endParaRPr lang="en-US" altLang="ko-KR" dirty="0"/>
+          </a:p>
+          <a:p>
+            <a:pPr marL="0" indent="0">
+              <a:buNone/>
+            </a:pPr>
+            <a:r>
+              <a:rPr lang="en-US" altLang="ko-KR" dirty="0"/>
+              <a:t>ex) </a:t>
+            </a:r>
+            <a:r>
+              <a:rPr lang="ko-KR" altLang="en-US" dirty="0"/>
+              <a:t>길 찾기 </a:t>
+            </a:r>
+            <a:r>
+              <a:rPr lang="en-US" altLang="ko-KR" dirty="0"/>
+              <a:t>: </a:t>
+            </a:r>
+            <a:r>
+              <a:rPr lang="ko-KR" altLang="en-US" dirty="0"/>
+              <a:t>지도를 분석하고</a:t>
+            </a:r>
+            <a:r>
+              <a:rPr lang="en-US" altLang="ko-KR" dirty="0"/>
+              <a:t>, </a:t>
+            </a:r>
+            <a:r>
+              <a:rPr lang="ko-KR" altLang="en-US" dirty="0"/>
+              <a:t>교통을 분석하고</a:t>
+            </a:r>
+            <a:r>
+              <a:rPr lang="en-US" altLang="ko-KR" dirty="0"/>
+              <a:t>, </a:t>
+            </a:r>
+          </a:p>
+          <a:p>
+            <a:pPr marL="0" indent="0">
+              <a:buNone/>
+            </a:pPr>
+            <a:r>
+              <a:rPr lang="en-US" altLang="ko-KR" dirty="0"/>
+              <a:t>		</a:t>
+            </a:r>
+            <a:r>
+              <a:rPr lang="ko-KR" altLang="en-US" dirty="0"/>
+              <a:t>여러 갈래 길 중에 최단거리를 도출</a:t>
+            </a:r>
+            <a:endParaRPr lang="en-US" altLang="ko-KR" dirty="0"/>
+          </a:p>
+          <a:p>
+            <a:pPr marL="0" indent="0">
+              <a:buNone/>
+            </a:pPr>
+            <a:r>
+              <a:rPr lang="en-US" altLang="ko-KR" dirty="0"/>
+              <a:t>ex) </a:t>
+            </a:r>
+            <a:r>
+              <a:rPr lang="ko-KR" altLang="en-US" dirty="0"/>
+              <a:t>근의 공식 </a:t>
+            </a:r>
+            <a:r>
+              <a:rPr lang="en-US" altLang="ko-KR" dirty="0"/>
+              <a:t>:</a:t>
+            </a:r>
+            <a:r>
+              <a:rPr lang="ko-KR" altLang="en-US" dirty="0"/>
+              <a:t> 증명</a:t>
+            </a:r>
+            <a:endParaRPr lang="en-US" altLang="ko-KR" dirty="0"/>
+          </a:p>
+          <a:p>
+            <a:pPr marL="0" indent="0">
+              <a:buNone/>
+            </a:pPr>
+            <a:endParaRPr lang="en-US" altLang="ko-KR" dirty="0"/>
+          </a:p>
+          <a:p>
+            <a:pPr marL="0" indent="0">
+              <a:buNone/>
+            </a:pPr>
+            <a:r>
+              <a:rPr lang="ko-KR" altLang="en-US" dirty="0"/>
+              <a:t>구현부는 중요한 게 아님</a:t>
+            </a:r>
+            <a:r>
+              <a:rPr lang="en-US" altLang="ko-KR" dirty="0"/>
+              <a:t>, </a:t>
+            </a:r>
+          </a:p>
+          <a:p>
+            <a:pPr marL="0" indent="0">
+              <a:buNone/>
+            </a:pPr>
+            <a:r>
+              <a:rPr lang="ko-KR" altLang="en-US" dirty="0"/>
+              <a:t>어떤 일을 하는가</a:t>
+            </a:r>
+            <a:r>
+              <a:rPr lang="en-US" altLang="ko-KR" dirty="0"/>
+              <a:t>, </a:t>
+            </a:r>
+            <a:r>
+              <a:rPr lang="ko-KR" altLang="en-US" dirty="0"/>
+              <a:t>어떻게 사용하는가 가 중요</a:t>
+            </a:r>
+            <a:endParaRPr lang="en-US" altLang="ko-KR" dirty="0"/>
+          </a:p>
+          <a:p>
+            <a:pPr marL="0" indent="0">
+              <a:buNone/>
+            </a:pPr>
+            <a:endParaRPr lang="ko-KR" altLang="en-US" dirty="0"/>
+          </a:p>
+        </p:txBody>
+      </p:sp>
+    </p:spTree>
+    <p:extLst>
+      <p:ext uri="{BB962C8B-B14F-4D97-AF65-F5344CB8AC3E}">
+        <p14:creationId xmlns:p14="http://schemas.microsoft.com/office/powerpoint/2010/main" val="2810370702"/>
+      </p:ext>
+    </p:extLst>
+  </p:cSld>
+  <p:clrMapOvr>
+    <a:masterClrMapping/>
+  </p:clrMapOvr>
+</p:sld>
+</file>
+
+<file path=ppt/slides/slide4.xml><?xml version="1.0" encoding="utf-8"?>
+<p:sld xmlns:a="http://schemas.openxmlformats.org/drawingml/2006/main" xmlns:r="http://schemas.openxmlformats.org/officeDocument/2006/relationships" xmlns:p="http://schemas.openxmlformats.org/presentationml/2006/main">
+  <p:cSld>
+    <p:spTree>
+      <p:nvGrpSpPr>
+        <p:cNvPr id="1" name=""/>
+        <p:cNvGrpSpPr/>
+        <p:nvPr/>
+      </p:nvGrpSpPr>
+      <p:grpSpPr>
+        <a:xfrm>
+          <a:off x="0" y="0"/>
+          <a:ext cx="0" cy="0"/>
+          <a:chOff x="0" y="0"/>
+          <a:chExt cx="0" cy="0"/>
+        </a:xfrm>
+      </p:grpSpPr>
+      <p:sp>
+        <p:nvSpPr>
+          <p:cNvPr id="2" name="제목 1">
+            <a:extLst>
+              <a:ext uri="{FF2B5EF4-FFF2-40B4-BE49-F238E27FC236}">
+                <a16:creationId xmlns:a16="http://schemas.microsoft.com/office/drawing/2014/main" id="{2F2A8A84-D670-6612-7476-BA3B60F48DAD}"/>
+              </a:ext>
+            </a:extLst>
+          </p:cNvPr>
+          <p:cNvSpPr>
+            <a:spLocks noGrp="1"/>
+          </p:cNvSpPr>
+          <p:nvPr>
+            <p:ph type="title"/>
+          </p:nvPr>
+        </p:nvSpPr>
+        <p:spPr/>
+        <p:txBody>
+          <a:bodyPr/>
+          <a:lstStyle/>
+          <a:p>
+            <a:r>
+              <a:rPr lang="ko-KR" altLang="en-US" dirty="0"/>
+              <a:t>함수</a:t>
+            </a:r>
+          </a:p>
+        </p:txBody>
+      </p:sp>
+      <p:sp>
+        <p:nvSpPr>
+          <p:cNvPr id="3" name="내용 개체 틀 2">
+            <a:extLst>
+              <a:ext uri="{FF2B5EF4-FFF2-40B4-BE49-F238E27FC236}">
+                <a16:creationId xmlns:a16="http://schemas.microsoft.com/office/drawing/2014/main" id="{7745C81A-A0A2-ABBF-EEF0-FBAD73EF0EC7}"/>
+              </a:ext>
+            </a:extLst>
+          </p:cNvPr>
+          <p:cNvSpPr>
+            <a:spLocks noGrp="1"/>
+          </p:cNvSpPr>
+          <p:nvPr>
+            <p:ph idx="1"/>
+          </p:nvPr>
+        </p:nvSpPr>
+        <p:spPr/>
+        <p:txBody>
+          <a:bodyPr>
+            <a:normAutofit lnSpcReduction="10000"/>
+          </a:bodyPr>
+          <a:lstStyle/>
+          <a:p>
+            <a:pPr marL="0" indent="0">
+              <a:buNone/>
+            </a:pPr>
+            <a:r>
+              <a:rPr lang="en-US" altLang="ko-KR" dirty="0"/>
+              <a:t>print, </a:t>
+            </a:r>
+          </a:p>
+          <a:p>
+            <a:pPr marL="0" indent="0">
+              <a:buNone/>
+            </a:pPr>
+            <a:r>
+              <a:rPr lang="en-US" altLang="ko-KR" dirty="0"/>
+              <a:t>input</a:t>
+            </a:r>
+          </a:p>
+          <a:p>
+            <a:pPr marL="0" indent="0">
+              <a:buNone/>
+            </a:pPr>
+            <a:r>
+              <a:rPr lang="ko-KR" altLang="en-US" dirty="0"/>
+              <a:t>기본 함수를 제공 </a:t>
+            </a:r>
+            <a:endParaRPr lang="en-US" altLang="ko-KR" dirty="0"/>
+          </a:p>
+          <a:p>
+            <a:pPr marL="0" indent="0">
+              <a:buNone/>
+            </a:pPr>
+            <a:endParaRPr lang="en-US" altLang="ko-KR" dirty="0"/>
+          </a:p>
+          <a:p>
+            <a:pPr marL="0" indent="0">
+              <a:buNone/>
+            </a:pPr>
+            <a:r>
+              <a:rPr lang="ko-KR" altLang="en-US" dirty="0"/>
+              <a:t>그 밖에도 다양한 함수를 제공하고 있음</a:t>
+            </a:r>
+            <a:endParaRPr lang="en-US" altLang="ko-KR" dirty="0"/>
+          </a:p>
+          <a:p>
+            <a:pPr marL="0" indent="0">
+              <a:buNone/>
+            </a:pPr>
+            <a:endParaRPr lang="en-US" altLang="ko-KR" dirty="0"/>
+          </a:p>
+          <a:p>
+            <a:pPr marL="0" indent="0">
+              <a:buNone/>
+            </a:pPr>
+            <a:r>
+              <a:rPr lang="ko-KR" altLang="en-US" dirty="0"/>
+              <a:t>검색해서 앎</a:t>
+            </a:r>
+            <a:endParaRPr lang="en-US" altLang="ko-KR" dirty="0"/>
+          </a:p>
+          <a:p>
+            <a:pPr marL="0" indent="0">
+              <a:buNone/>
+            </a:pPr>
+            <a:endParaRPr lang="en-US" altLang="ko-KR" dirty="0"/>
+          </a:p>
+          <a:p>
+            <a:pPr marL="0" indent="0">
+              <a:buNone/>
+            </a:pPr>
+            <a:r>
+              <a:rPr lang="ko-KR" altLang="en-US" dirty="0"/>
+              <a:t>절대 외우지 말 것</a:t>
+            </a:r>
+            <a:endParaRPr lang="en-US" altLang="ko-KR" dirty="0"/>
+          </a:p>
+          <a:p>
+            <a:pPr marL="0" indent="0">
+              <a:buNone/>
+            </a:pPr>
+            <a:endParaRPr lang="en-US" altLang="ko-KR" dirty="0"/>
+          </a:p>
+          <a:p>
+            <a:pPr marL="0" indent="0">
+              <a:buNone/>
+            </a:pPr>
+            <a:endParaRPr lang="en-US" altLang="ko-KR" dirty="0"/>
+          </a:p>
+          <a:p>
+            <a:pPr marL="0" indent="0">
+              <a:buNone/>
+            </a:pPr>
+            <a:endParaRPr lang="ko-KR" altLang="en-US" dirty="0"/>
+          </a:p>
+        </p:txBody>
+      </p:sp>
+    </p:spTree>
+    <p:extLst>
+      <p:ext uri="{BB962C8B-B14F-4D97-AF65-F5344CB8AC3E}">
+        <p14:creationId xmlns:p14="http://schemas.microsoft.com/office/powerpoint/2010/main" val="4007408634"/>
+      </p:ext>
+    </p:extLst>
+  </p:cSld>
+  <p:clrMapOvr>
+    <a:masterClrMapping/>
+  </p:clrMapOvr>
+</p:sld>
+</file>
+
+<file path=ppt/slides/slide5.xml><?xml version="1.0" encoding="utf-8"?>
+<p:sld xmlns:a="http://schemas.openxmlformats.org/drawingml/2006/main" xmlns:r="http://schemas.openxmlformats.org/officeDocument/2006/relationships" xmlns:p="http://schemas.openxmlformats.org/presentationml/2006/main">
+  <p:cSld>
+    <p:spTree>
+      <p:nvGrpSpPr>
+        <p:cNvPr id="1" name=""/>
+        <p:cNvGrpSpPr/>
+        <p:nvPr/>
+      </p:nvGrpSpPr>
+      <p:grpSpPr>
+        <a:xfrm>
+          <a:off x="0" y="0"/>
+          <a:ext cx="0" cy="0"/>
+          <a:chOff x="0" y="0"/>
+          <a:chExt cx="0" cy="0"/>
+        </a:xfrm>
+      </p:grpSpPr>
+      <p:sp>
+        <p:nvSpPr>
+          <p:cNvPr id="2" name="제목 1">
+            <a:extLst>
+              <a:ext uri="{FF2B5EF4-FFF2-40B4-BE49-F238E27FC236}">
+                <a16:creationId xmlns:a16="http://schemas.microsoft.com/office/drawing/2014/main" id="{A14CD522-1044-4A35-5801-83C8869C3506}"/>
+              </a:ext>
+            </a:extLst>
+          </p:cNvPr>
+          <p:cNvSpPr>
+            <a:spLocks noGrp="1"/>
+          </p:cNvSpPr>
+          <p:nvPr>
+            <p:ph type="title"/>
+          </p:nvPr>
+        </p:nvSpPr>
+        <p:spPr/>
+        <p:txBody>
+          <a:bodyPr/>
+          <a:lstStyle/>
+          <a:p>
+            <a:r>
+              <a:rPr lang="ko-KR" altLang="en-US" dirty="0"/>
+              <a:t>함수 원형</a:t>
+            </a:r>
+          </a:p>
+        </p:txBody>
+      </p:sp>
+      <p:sp>
+        <p:nvSpPr>
+          <p:cNvPr id="3" name="내용 개체 틀 2">
+            <a:extLst>
+              <a:ext uri="{FF2B5EF4-FFF2-40B4-BE49-F238E27FC236}">
+                <a16:creationId xmlns:a16="http://schemas.microsoft.com/office/drawing/2014/main" id="{FA1DCF1C-F989-12FB-7B86-A761991F66CD}"/>
+              </a:ext>
+            </a:extLst>
+          </p:cNvPr>
+          <p:cNvSpPr>
+            <a:spLocks noGrp="1"/>
+          </p:cNvSpPr>
+          <p:nvPr>
+            <p:ph idx="1"/>
+          </p:nvPr>
+        </p:nvSpPr>
+        <p:spPr/>
+        <p:txBody>
+          <a:bodyPr>
+            <a:normAutofit fontScale="92500" lnSpcReduction="20000"/>
+          </a:bodyPr>
+          <a:lstStyle/>
+          <a:p>
+            <a:pPr marL="0" indent="0">
+              <a:buNone/>
+            </a:pPr>
+            <a:r>
+              <a:rPr lang="en-US" altLang="ko-KR" dirty="0"/>
+              <a:t>def </a:t>
+            </a:r>
+            <a:r>
+              <a:rPr lang="ko-KR" altLang="en-US" dirty="0"/>
+              <a:t>함수이름</a:t>
+            </a:r>
+            <a:r>
+              <a:rPr lang="en-US" altLang="ko-KR" dirty="0"/>
+              <a:t>( </a:t>
+            </a:r>
+            <a:r>
+              <a:rPr lang="ko-KR" altLang="en-US" dirty="0"/>
+              <a:t>변수</a:t>
+            </a:r>
+            <a:r>
+              <a:rPr lang="en-US" altLang="ko-KR" dirty="0"/>
+              <a:t>1, </a:t>
+            </a:r>
+            <a:r>
+              <a:rPr lang="ko-KR" altLang="en-US" dirty="0"/>
+              <a:t>변수</a:t>
+            </a:r>
+            <a:r>
+              <a:rPr lang="en-US" altLang="ko-KR" dirty="0"/>
+              <a:t>2, ...):</a:t>
+            </a:r>
+          </a:p>
+          <a:p>
+            <a:pPr marL="0" indent="0">
+              <a:buNone/>
+            </a:pPr>
+            <a:r>
+              <a:rPr lang="ko-KR" altLang="en-US" dirty="0"/>
+              <a:t>    결과를 저장할 변수 </a:t>
+            </a:r>
+            <a:r>
+              <a:rPr lang="en-US" altLang="ko-KR" dirty="0"/>
+              <a:t>= ...</a:t>
+            </a:r>
+          </a:p>
+          <a:p>
+            <a:pPr marL="0" indent="0">
+              <a:buNone/>
+            </a:pPr>
+            <a:r>
+              <a:rPr lang="en-US" altLang="ko-KR" dirty="0"/>
+              <a:t>    return </a:t>
+            </a:r>
+            <a:r>
+              <a:rPr lang="ko-KR" altLang="en-US" dirty="0"/>
+              <a:t>결과를 저장한 변수</a:t>
+            </a:r>
+          </a:p>
+          <a:p>
+            <a:pPr marL="0" indent="0">
+              <a:buNone/>
+            </a:pPr>
+            <a:endParaRPr lang="en-US" altLang="ko-KR" dirty="0"/>
+          </a:p>
+          <a:p>
+            <a:pPr marL="0" indent="0">
+              <a:buNone/>
+            </a:pPr>
+            <a:r>
+              <a:rPr lang="ko-KR" altLang="en-US" dirty="0"/>
+              <a:t>정의 </a:t>
+            </a:r>
+            <a:r>
+              <a:rPr lang="en-US" altLang="ko-KR" dirty="0"/>
+              <a:t>: </a:t>
+            </a:r>
+            <a:r>
+              <a:rPr lang="en-US" altLang="ko-KR" dirty="0" err="1"/>
+              <a:t>AplusB</a:t>
+            </a:r>
+            <a:r>
+              <a:rPr lang="en-US" altLang="ko-KR" dirty="0"/>
+              <a:t>( 3 , 6 ) , </a:t>
+            </a:r>
+            <a:r>
+              <a:rPr lang="ko-KR" altLang="en-US" dirty="0"/>
+              <a:t>두 수의 합을 </a:t>
+            </a:r>
+            <a:r>
+              <a:rPr lang="ko-KR" altLang="en-US" dirty="0" err="1"/>
+              <a:t>얻어옴</a:t>
+            </a:r>
+            <a:endParaRPr lang="en-US" altLang="ko-KR" dirty="0"/>
+          </a:p>
+          <a:p>
+            <a:pPr marL="0" indent="0">
+              <a:buNone/>
+            </a:pPr>
+            <a:endParaRPr lang="en-US" altLang="ko-KR" dirty="0"/>
+          </a:p>
+          <a:p>
+            <a:pPr marL="0" indent="0">
+              <a:buNone/>
+            </a:pPr>
+            <a:r>
+              <a:rPr lang="ko-KR" altLang="en-US" dirty="0"/>
+              <a:t>구현 </a:t>
+            </a:r>
+            <a:r>
+              <a:rPr lang="en-US" altLang="ko-KR" dirty="0"/>
+              <a:t>: </a:t>
+            </a:r>
+          </a:p>
+          <a:p>
+            <a:pPr marL="0" indent="0">
+              <a:buNone/>
+            </a:pPr>
+            <a:r>
+              <a:rPr lang="en-US" altLang="ko-KR" dirty="0"/>
+              <a:t>def </a:t>
+            </a:r>
+            <a:r>
+              <a:rPr lang="en-US" altLang="ko-KR" dirty="0" err="1"/>
+              <a:t>AplusB</a:t>
+            </a:r>
+            <a:r>
+              <a:rPr lang="en-US" altLang="ko-KR" dirty="0"/>
+              <a:t>( left, right ):</a:t>
+            </a:r>
+          </a:p>
+          <a:p>
+            <a:pPr marL="0" indent="0">
+              <a:buNone/>
+            </a:pPr>
+            <a:r>
+              <a:rPr lang="en-US" altLang="ko-KR" dirty="0"/>
+              <a:t>	sum = left + right </a:t>
+            </a:r>
+          </a:p>
+          <a:p>
+            <a:pPr marL="0" indent="0">
+              <a:buNone/>
+            </a:pPr>
+            <a:r>
+              <a:rPr lang="en-US" altLang="ko-KR" dirty="0"/>
+              <a:t>	return sum</a:t>
+            </a:r>
+          </a:p>
+          <a:p>
+            <a:pPr marL="0" indent="0">
+              <a:buNone/>
+            </a:pPr>
+            <a:endParaRPr lang="ko-KR" altLang="en-US" dirty="0"/>
+          </a:p>
+        </p:txBody>
+      </p:sp>
+    </p:spTree>
+    <p:extLst>
+      <p:ext uri="{BB962C8B-B14F-4D97-AF65-F5344CB8AC3E}">
+        <p14:creationId xmlns:p14="http://schemas.microsoft.com/office/powerpoint/2010/main" val="492465383"/>
+      </p:ext>
+    </p:extLst>
+  </p:cSld>
+  <p:clrMapOvr>
+    <a:masterClrMapping/>
+  </p:clrMapOvr>
+</p:sld>
+</file>
+
+<file path=ppt/slides/slide6.xml><?xml version="1.0" encoding="utf-8"?>
+<p:sld xmlns:a="http://schemas.openxmlformats.org/drawingml/2006/main" xmlns:r="http://schemas.openxmlformats.org/officeDocument/2006/relationships" xmlns:p="http://schemas.openxmlformats.org/presentationml/2006/main">
+  <p:cSld>
+    <p:spTree>
+      <p:nvGrpSpPr>
+        <p:cNvPr id="1" name=""/>
+        <p:cNvGrpSpPr/>
+        <p:nvPr/>
+      </p:nvGrpSpPr>
+      <p:grpSpPr>
+        <a:xfrm>
+          <a:off x="0" y="0"/>
+          <a:ext cx="0" cy="0"/>
+          <a:chOff x="0" y="0"/>
+          <a:chExt cx="0" cy="0"/>
+        </a:xfrm>
+      </p:grpSpPr>
+      <p:sp>
+        <p:nvSpPr>
+          <p:cNvPr id="2" name="제목 1">
+            <a:extLst>
+              <a:ext uri="{FF2B5EF4-FFF2-40B4-BE49-F238E27FC236}">
+                <a16:creationId xmlns:a16="http://schemas.microsoft.com/office/drawing/2014/main" id="{2959CF17-9BC2-58CF-0D10-504E3629B48D}"/>
+              </a:ext>
+            </a:extLst>
+          </p:cNvPr>
+          <p:cNvSpPr>
+            <a:spLocks noGrp="1"/>
+          </p:cNvSpPr>
+          <p:nvPr>
+            <p:ph type="title"/>
+          </p:nvPr>
+        </p:nvSpPr>
+        <p:spPr/>
+        <p:txBody>
+          <a:bodyPr/>
+          <a:lstStyle/>
+          <a:p>
+            <a:r>
+              <a:rPr lang="ko-KR" altLang="en-US" dirty="0"/>
+              <a:t>파이썬 함수가 갖는 특이점</a:t>
+            </a:r>
+          </a:p>
+        </p:txBody>
+      </p:sp>
+      <p:sp>
+        <p:nvSpPr>
+          <p:cNvPr id="3" name="내용 개체 틀 2">
+            <a:extLst>
+              <a:ext uri="{FF2B5EF4-FFF2-40B4-BE49-F238E27FC236}">
+                <a16:creationId xmlns:a16="http://schemas.microsoft.com/office/drawing/2014/main" id="{D054D5F2-B6C8-448F-A4F3-ACBD6C884C76}"/>
+              </a:ext>
+            </a:extLst>
+          </p:cNvPr>
+          <p:cNvSpPr>
+            <a:spLocks noGrp="1"/>
+          </p:cNvSpPr>
+          <p:nvPr>
+            <p:ph idx="1"/>
+          </p:nvPr>
+        </p:nvSpPr>
+        <p:spPr/>
+        <p:txBody>
+          <a:bodyPr>
+            <a:normAutofit fontScale="92500" lnSpcReduction="20000"/>
+          </a:bodyPr>
+          <a:lstStyle/>
+          <a:p>
+            <a:pPr marL="0" indent="0">
+              <a:buNone/>
+            </a:pPr>
+            <a:r>
+              <a:rPr lang="ko-KR" altLang="en-US" dirty="0"/>
+              <a:t>다중 변수 값이 리턴 가능</a:t>
+            </a:r>
+            <a:endParaRPr lang="en-US" altLang="ko-KR" dirty="0"/>
+          </a:p>
+          <a:p>
+            <a:pPr marL="0" indent="0">
+              <a:buNone/>
+            </a:pPr>
+            <a:endParaRPr lang="en-US" altLang="ko-KR" dirty="0"/>
+          </a:p>
+          <a:p>
+            <a:pPr marL="0" indent="0">
+              <a:buNone/>
+            </a:pPr>
+            <a:r>
+              <a:rPr lang="en-US" altLang="ko-KR" dirty="0"/>
+              <a:t>def </a:t>
+            </a:r>
+            <a:r>
+              <a:rPr lang="en-US" altLang="ko-KR" dirty="0" err="1"/>
+              <a:t>doSomething</a:t>
+            </a:r>
+            <a:r>
+              <a:rPr lang="en-US" altLang="ko-KR" dirty="0"/>
+              <a:t>():</a:t>
+            </a:r>
+          </a:p>
+          <a:p>
+            <a:pPr marL="0" indent="0">
+              <a:buNone/>
+            </a:pPr>
+            <a:r>
+              <a:rPr lang="en-US" altLang="ko-KR" dirty="0"/>
+              <a:t>	</a:t>
+            </a:r>
+            <a:r>
+              <a:rPr lang="en-US" altLang="ko-KR" dirty="0" err="1"/>
+              <a:t>firstValue</a:t>
+            </a:r>
+            <a:r>
+              <a:rPr lang="en-US" altLang="ko-KR" dirty="0"/>
+              <a:t> = 100</a:t>
+            </a:r>
+          </a:p>
+          <a:p>
+            <a:pPr marL="0" indent="0">
+              <a:buNone/>
+            </a:pPr>
+            <a:r>
+              <a:rPr lang="en-US" altLang="ko-KR" dirty="0"/>
+              <a:t>	</a:t>
+            </a:r>
+            <a:r>
+              <a:rPr lang="en-US" altLang="ko-KR" dirty="0" err="1"/>
+              <a:t>secondValue</a:t>
+            </a:r>
+            <a:r>
+              <a:rPr lang="en-US" altLang="ko-KR" dirty="0"/>
+              <a:t> = 200</a:t>
+            </a:r>
+          </a:p>
+          <a:p>
+            <a:pPr marL="0" indent="0">
+              <a:buNone/>
+            </a:pPr>
+            <a:r>
+              <a:rPr lang="en-US" altLang="ko-KR" dirty="0"/>
+              <a:t>	return </a:t>
+            </a:r>
+            <a:r>
+              <a:rPr lang="en-US" altLang="ko-KR" dirty="0" err="1"/>
+              <a:t>firstValue</a:t>
+            </a:r>
+            <a:r>
+              <a:rPr lang="en-US" altLang="ko-KR" dirty="0"/>
+              <a:t>, </a:t>
+            </a:r>
+            <a:r>
+              <a:rPr lang="en-US" altLang="ko-KR" dirty="0" err="1"/>
+              <a:t>secondValue</a:t>
+            </a:r>
+            <a:endParaRPr lang="en-US" altLang="ko-KR" dirty="0"/>
+          </a:p>
+          <a:p>
+            <a:pPr marL="0" indent="0">
+              <a:buNone/>
+            </a:pPr>
+            <a:endParaRPr lang="en-US" altLang="ko-KR" dirty="0"/>
+          </a:p>
+          <a:p>
+            <a:pPr marL="0" indent="0">
+              <a:buNone/>
+            </a:pPr>
+            <a:r>
+              <a:rPr lang="en-US" altLang="ko-KR" dirty="0"/>
+              <a:t>a , b = </a:t>
+            </a:r>
+            <a:r>
+              <a:rPr lang="en-US" altLang="ko-KR" dirty="0" err="1"/>
+              <a:t>doSomething</a:t>
+            </a:r>
+            <a:r>
+              <a:rPr lang="en-US" altLang="ko-KR" dirty="0"/>
+              <a:t>()</a:t>
+            </a:r>
+          </a:p>
+          <a:p>
+            <a:pPr marL="0" indent="0">
+              <a:buNone/>
+            </a:pPr>
+            <a:r>
+              <a:rPr lang="en-US" altLang="ko-KR" dirty="0"/>
+              <a:t>print(a)</a:t>
+            </a:r>
+          </a:p>
+          <a:p>
+            <a:pPr marL="0" indent="0">
+              <a:buNone/>
+            </a:pPr>
+            <a:r>
+              <a:rPr lang="en-US" altLang="ko-KR" dirty="0"/>
+              <a:t>print(b)</a:t>
+            </a:r>
+          </a:p>
+        </p:txBody>
+      </p:sp>
+    </p:spTree>
+    <p:extLst>
+      <p:ext uri="{BB962C8B-B14F-4D97-AF65-F5344CB8AC3E}">
+        <p14:creationId xmlns:p14="http://schemas.microsoft.com/office/powerpoint/2010/main" val="1116660382"/>
+      </p:ext>
+    </p:extLst>
+  </p:cSld>
+  <p:clrMapOvr>
+    <a:masterClrMapping/>
+  </p:clrMapOvr>
+</p:sld>
+</file>
+
+<file path=ppt/slides/slide7.xml><?xml version="1.0" encoding="utf-8"?>
+<p:sld xmlns:a="http://schemas.openxmlformats.org/drawingml/2006/main" xmlns:r="http://schemas.openxmlformats.org/officeDocument/2006/relationships" xmlns:p="http://schemas.openxmlformats.org/presentationml/2006/main">
+  <p:cSld>
+    <p:spTree>
+      <p:nvGrpSpPr>
+        <p:cNvPr id="1" name=""/>
+        <p:cNvGrpSpPr/>
+        <p:nvPr/>
+      </p:nvGrpSpPr>
+      <p:grpSpPr>
+        <a:xfrm>
+          <a:off x="0" y="0"/>
+          <a:ext cx="0" cy="0"/>
+          <a:chOff x="0" y="0"/>
+          <a:chExt cx="0" cy="0"/>
+        </a:xfrm>
+      </p:grpSpPr>
+      <p:sp>
+        <p:nvSpPr>
+          <p:cNvPr id="2" name="제목 1">
+            <a:extLst>
+              <a:ext uri="{FF2B5EF4-FFF2-40B4-BE49-F238E27FC236}">
+                <a16:creationId xmlns:a16="http://schemas.microsoft.com/office/drawing/2014/main" id="{314BA75C-3EE4-8996-36AC-83B34D4FA6A6}"/>
+              </a:ext>
+            </a:extLst>
+          </p:cNvPr>
+          <p:cNvSpPr>
+            <a:spLocks noGrp="1"/>
+          </p:cNvSpPr>
+          <p:nvPr>
+            <p:ph type="title"/>
+          </p:nvPr>
+        </p:nvSpPr>
+        <p:spPr/>
+        <p:txBody>
+          <a:bodyPr/>
+          <a:lstStyle/>
+          <a:p>
+            <a:r>
+              <a:rPr lang="ko-KR" altLang="en-US" dirty="0"/>
+              <a:t>라이브러리</a:t>
+            </a:r>
+          </a:p>
+        </p:txBody>
+      </p:sp>
+      <p:sp>
+        <p:nvSpPr>
+          <p:cNvPr id="3" name="내용 개체 틀 2">
+            <a:extLst>
+              <a:ext uri="{FF2B5EF4-FFF2-40B4-BE49-F238E27FC236}">
+                <a16:creationId xmlns:a16="http://schemas.microsoft.com/office/drawing/2014/main" id="{DC16365B-B2AE-0B18-732D-C7C8796920F5}"/>
+              </a:ext>
+            </a:extLst>
+          </p:cNvPr>
+          <p:cNvSpPr>
+            <a:spLocks noGrp="1"/>
+          </p:cNvSpPr>
+          <p:nvPr>
+            <p:ph idx="1"/>
+          </p:nvPr>
+        </p:nvSpPr>
+        <p:spPr/>
+        <p:txBody>
+          <a:bodyPr>
+            <a:normAutofit fontScale="85000" lnSpcReduction="20000"/>
+          </a:bodyPr>
+          <a:lstStyle/>
+          <a:p>
+            <a:pPr marL="0" indent="0">
+              <a:buNone/>
+            </a:pPr>
+            <a:r>
+              <a:rPr lang="ko-KR" altLang="en-US" dirty="0"/>
+              <a:t>함수의 묶음 </a:t>
+            </a:r>
+            <a:endParaRPr lang="en-US" altLang="ko-KR" dirty="0"/>
+          </a:p>
+          <a:p>
+            <a:pPr marL="0" indent="0">
+              <a:buNone/>
+            </a:pPr>
+            <a:endParaRPr lang="en-US" altLang="ko-KR" dirty="0"/>
+          </a:p>
+          <a:p>
+            <a:pPr marL="0" indent="0">
+              <a:buNone/>
+            </a:pPr>
+            <a:r>
+              <a:rPr lang="ko-KR" altLang="en-US" dirty="0"/>
+              <a:t>내가 수학을 하고 싶어 </a:t>
+            </a:r>
+            <a:endParaRPr lang="en-US" altLang="ko-KR" dirty="0"/>
+          </a:p>
+          <a:p>
+            <a:pPr marL="0" indent="0">
+              <a:buNone/>
+            </a:pPr>
+            <a:r>
+              <a:rPr lang="en-US" altLang="ko-KR" dirty="0"/>
+              <a:t>import math</a:t>
+            </a:r>
+          </a:p>
+          <a:p>
+            <a:pPr marL="0" indent="0">
+              <a:buNone/>
+            </a:pPr>
+            <a:r>
+              <a:rPr lang="en-US" altLang="ko-KR" dirty="0"/>
+              <a:t>ex) root =</a:t>
+            </a:r>
+            <a:r>
+              <a:rPr lang="ko-KR" altLang="en-US" dirty="0"/>
+              <a:t> </a:t>
+            </a:r>
+            <a:r>
+              <a:rPr lang="en-US" altLang="ko-KR" dirty="0" err="1"/>
+              <a:t>math.sqrt</a:t>
+            </a:r>
+            <a:r>
+              <a:rPr lang="en-US" altLang="ko-KR" dirty="0"/>
+              <a:t>(9)</a:t>
+            </a:r>
+          </a:p>
+          <a:p>
+            <a:pPr marL="0" indent="0">
+              <a:buNone/>
+            </a:pPr>
+            <a:endParaRPr lang="en-US" altLang="ko-KR" dirty="0"/>
+          </a:p>
+          <a:p>
+            <a:pPr marL="0" indent="0">
+              <a:buNone/>
+            </a:pPr>
+            <a:r>
+              <a:rPr lang="ko-KR" altLang="en-US" dirty="0"/>
+              <a:t>내가 </a:t>
+            </a:r>
+            <a:r>
+              <a:rPr lang="ko-KR" altLang="en-US" dirty="0" err="1"/>
+              <a:t>랜덤한</a:t>
+            </a:r>
+            <a:r>
+              <a:rPr lang="ko-KR" altLang="en-US" dirty="0"/>
+              <a:t> 숫자를 뽑고 싶어</a:t>
+            </a:r>
+            <a:endParaRPr lang="en-US" altLang="ko-KR" dirty="0"/>
+          </a:p>
+          <a:p>
+            <a:pPr marL="0" indent="0">
+              <a:buNone/>
+            </a:pPr>
+            <a:r>
+              <a:rPr lang="en-US" altLang="ko-KR" dirty="0"/>
+              <a:t>import random</a:t>
+            </a:r>
+          </a:p>
+          <a:p>
+            <a:pPr marL="0" indent="0">
+              <a:buNone/>
+            </a:pPr>
+            <a:r>
+              <a:rPr lang="en-US" altLang="ko-KR" dirty="0"/>
+              <a:t>ex) </a:t>
+            </a:r>
+            <a:r>
+              <a:rPr lang="en-US" altLang="ko-KR" dirty="0" err="1"/>
+              <a:t>random.randint</a:t>
+            </a:r>
+            <a:r>
+              <a:rPr lang="en-US" altLang="ko-KR" dirty="0"/>
+              <a:t>(0,3)</a:t>
+            </a:r>
+          </a:p>
+          <a:p>
+            <a:pPr marL="0" indent="0">
+              <a:buNone/>
+            </a:pPr>
+            <a:endParaRPr lang="en-US" altLang="ko-KR" dirty="0"/>
+          </a:p>
+          <a:p>
+            <a:pPr marL="0" indent="0">
+              <a:buNone/>
+            </a:pPr>
+            <a:r>
+              <a:rPr lang="en-US" altLang="ko-KR" dirty="0"/>
+              <a:t>OpenCV : </a:t>
+            </a:r>
+            <a:r>
+              <a:rPr lang="en-US" altLang="ko-KR" dirty="0" err="1"/>
+              <a:t>OpenComputerVision</a:t>
+            </a:r>
+            <a:endParaRPr lang="ko-KR" altLang="en-US" dirty="0"/>
+          </a:p>
+        </p:txBody>
+      </p:sp>
+    </p:spTree>
+    <p:extLst>
+      <p:ext uri="{BB962C8B-B14F-4D97-AF65-F5344CB8AC3E}">
+        <p14:creationId xmlns:p14="http://schemas.microsoft.com/office/powerpoint/2010/main" val="1470640463"/>
+      </p:ext>
+    </p:extLst>
+  </p:cSld>
+  <p:clrMapOvr>
+    <a:masterClrMapping/>
+  </p:clrMapOvr>
+</p:sld>
+</file>
+
+<file path=ppt/slides/slide8.xml><?xml version="1.0" encoding="utf-8"?>
+<p:sld xmlns:a="http://schemas.openxmlformats.org/drawingml/2006/main" xmlns:r="http://schemas.openxmlformats.org/officeDocument/2006/relationships" xmlns:p="http://schemas.openxmlformats.org/presentationml/2006/main">
+  <p:cSld>
+    <p:spTree>
+      <p:nvGrpSpPr>
+        <p:cNvPr id="1" name=""/>
+        <p:cNvGrpSpPr/>
+        <p:nvPr/>
+      </p:nvGrpSpPr>
+      <p:grpSpPr>
+        <a:xfrm>
+          <a:off x="0" y="0"/>
+          <a:ext cx="0" cy="0"/>
+          <a:chOff x="0" y="0"/>
+          <a:chExt cx="0" cy="0"/>
+        </a:xfrm>
+      </p:grpSpPr>
+      <p:sp>
+        <p:nvSpPr>
+          <p:cNvPr id="2" name="제목 1">
+            <a:extLst>
+              <a:ext uri="{FF2B5EF4-FFF2-40B4-BE49-F238E27FC236}">
+                <a16:creationId xmlns:a16="http://schemas.microsoft.com/office/drawing/2014/main" id="{45FAC277-2A84-A990-776E-5FACFD36DA94}"/>
+              </a:ext>
+            </a:extLst>
+          </p:cNvPr>
+          <p:cNvSpPr>
+            <a:spLocks noGrp="1"/>
+          </p:cNvSpPr>
+          <p:nvPr>
+            <p:ph type="title"/>
+          </p:nvPr>
+        </p:nvSpPr>
+        <p:spPr/>
+        <p:txBody>
+          <a:bodyPr/>
+          <a:lstStyle/>
+          <a:p>
+            <a:endParaRPr lang="ko-KR" altLang="en-US" dirty="0"/>
+          </a:p>
+        </p:txBody>
+      </p:sp>
+      <p:sp>
+        <p:nvSpPr>
+          <p:cNvPr id="3" name="내용 개체 틀 2">
+            <a:extLst>
+              <a:ext uri="{FF2B5EF4-FFF2-40B4-BE49-F238E27FC236}">
+                <a16:creationId xmlns:a16="http://schemas.microsoft.com/office/drawing/2014/main" id="{85D8BB20-955D-3BBD-46ED-850709629114}"/>
+              </a:ext>
+            </a:extLst>
+          </p:cNvPr>
+          <p:cNvSpPr>
+            <a:spLocks noGrp="1"/>
+          </p:cNvSpPr>
+          <p:nvPr>
+            <p:ph idx="1"/>
+          </p:nvPr>
+        </p:nvSpPr>
+        <p:spPr/>
+        <p:txBody>
+          <a:bodyPr/>
+          <a:lstStyle/>
+          <a:p>
+            <a:pPr marL="0" indent="0">
+              <a:buNone/>
+            </a:pPr>
+            <a:endParaRPr lang="en-US" altLang="ko-KR" dirty="0">
+              <a:hlinkClick r:id="rId3"/>
+            </a:endParaRPr>
+          </a:p>
+          <a:p>
+            <a:pPr marL="0" indent="0">
+              <a:buNone/>
+            </a:pPr>
+            <a:r>
+              <a:rPr lang="en-US" altLang="ko-KR" dirty="0">
+                <a:hlinkClick r:id="rId3"/>
+              </a:rPr>
+              <a:t>https://github.com/SeongYil/ym</a:t>
+            </a:r>
+            <a:endParaRPr lang="en-US" altLang="ko-KR" dirty="0"/>
+          </a:p>
+          <a:p>
+            <a:endParaRPr lang="en-US" altLang="ko-KR" dirty="0"/>
+          </a:p>
+          <a:p>
+            <a:pPr marL="0" indent="0">
+              <a:buNone/>
+            </a:pPr>
+            <a:r>
+              <a:rPr lang="ko-KR" altLang="en-US" dirty="0"/>
+              <a:t>구현 </a:t>
+            </a:r>
+            <a:r>
+              <a:rPr lang="en-US" altLang="ko-KR" dirty="0"/>
+              <a:t>( </a:t>
+            </a:r>
+            <a:r>
+              <a:rPr lang="ko-KR" altLang="en-US" dirty="0"/>
+              <a:t>순수 구현 </a:t>
+            </a:r>
+            <a:r>
+              <a:rPr lang="en-US" altLang="ko-KR" dirty="0"/>
+              <a:t>) </a:t>
+            </a:r>
+            <a:r>
+              <a:rPr lang="ko-KR" altLang="en-US" dirty="0"/>
+              <a:t>각 자</a:t>
+            </a:r>
+            <a:endParaRPr lang="en-US" altLang="ko-KR" dirty="0"/>
+          </a:p>
+          <a:p>
+            <a:pPr marL="0" indent="0">
+              <a:buNone/>
+            </a:pPr>
+            <a:endParaRPr lang="en-US" altLang="ko-KR" dirty="0"/>
+          </a:p>
+          <a:p>
+            <a:pPr marL="0" indent="0">
+              <a:buNone/>
+            </a:pPr>
+            <a:r>
+              <a:rPr lang="ko-KR" altLang="en-US" dirty="0"/>
+              <a:t>알고리즘 </a:t>
+            </a:r>
+            <a:r>
+              <a:rPr lang="en-US" altLang="ko-KR" dirty="0"/>
+              <a:t>( </a:t>
+            </a:r>
+            <a:r>
+              <a:rPr lang="ko-KR" altLang="en-US" dirty="0"/>
+              <a:t>구현 </a:t>
+            </a:r>
+            <a:r>
+              <a:rPr lang="en-US" altLang="ko-KR" dirty="0"/>
+              <a:t>+ </a:t>
+            </a:r>
+            <a:r>
+              <a:rPr lang="ko-KR" altLang="en-US" dirty="0"/>
+              <a:t>수학적인 생각 </a:t>
+            </a:r>
+            <a:r>
+              <a:rPr lang="en-US" altLang="ko-KR" dirty="0"/>
+              <a:t>) </a:t>
+            </a:r>
+          </a:p>
+          <a:p>
+            <a:pPr marL="0" indent="0">
+              <a:buNone/>
+            </a:pPr>
+            <a:r>
+              <a:rPr lang="ko-KR" altLang="en-US" dirty="0"/>
+              <a:t>옆 친구들과 상의 </a:t>
+            </a:r>
+            <a:r>
+              <a:rPr lang="en-US" altLang="ko-KR" dirty="0"/>
+              <a:t>(</a:t>
+            </a:r>
+            <a:r>
+              <a:rPr lang="ko-KR" altLang="en-US" dirty="0"/>
+              <a:t>아이디어 공유</a:t>
+            </a:r>
+            <a:r>
+              <a:rPr lang="en-US" altLang="ko-KR" dirty="0"/>
+              <a:t>)</a:t>
+            </a:r>
+          </a:p>
+        </p:txBody>
+      </p:sp>
+    </p:spTree>
+    <p:extLst>
+      <p:ext uri="{BB962C8B-B14F-4D97-AF65-F5344CB8AC3E}">
+        <p14:creationId xmlns:p14="http://schemas.microsoft.com/office/powerpoint/2010/main" val="2068240523"/>
       </p:ext>
     </p:extLst>
   </p:cSld>
